--- a/spring13/slides13/microquiz9f.pptx
+++ b/spring13/slides13/microquiz9f.pptx
@@ -1203,14 +1203,7 @@
                 <a:latin typeface="Comic Sans MS"/>
                 <a:cs typeface="Comic Sans MS"/>
               </a:rPr>
-              <a:t>April </a:t>
-            </a:r>
-            <a:r>
-              <a:rPr lang="en-US" sz="3200" smtClean="0">
-                <a:latin typeface="Comic Sans MS"/>
-                <a:cs typeface="Comic Sans MS"/>
-              </a:rPr>
-              <a:t>12, </a:t>
+              <a:t>April 12, </a:t>
             </a:r>
             <a:r>
               <a:rPr lang="en-US" sz="3200" dirty="0" smtClean="0">
@@ -1226,30 +1219,6 @@
           </a:p>
         </p:txBody>
       </p:sp>
-      <p:pic>
-        <p:nvPicPr>
-          <p:cNvPr id="8" name="Picture 7"/>
-          <p:cNvPicPr>
-            <a:picLocks noChangeAspect="1"/>
-          </p:cNvPicPr>
-          <p:nvPr/>
-        </p:nvPicPr>
-        <p:blipFill>
-          <a:blip r:embed="rId2"/>
-          <a:stretch>
-            <a:fillRect/>
-          </a:stretch>
-        </p:blipFill>
-        <p:spPr>
-          <a:xfrm>
-            <a:off x="211173" y="1549542"/>
-            <a:ext cx="2502344" cy="881107"/>
-          </a:xfrm>
-          <a:prstGeom prst="rect">
-            <a:avLst/>
-          </a:prstGeom>
-        </p:spPr>
-      </p:pic>
       <p:pic>
         <p:nvPicPr>
           <p:cNvPr id="9" name="Picture 8"/>
@@ -1266,8 +1235,8 @@
         </p:blipFill>
         <p:spPr>
           <a:xfrm>
-            <a:off x="3202785" y="1364192"/>
-            <a:ext cx="2162702" cy="961201"/>
+            <a:off x="3202784" y="1364192"/>
+            <a:ext cx="2749477" cy="1221990"/>
           </a:xfrm>
           <a:prstGeom prst="rect">
             <a:avLst/>
@@ -1290,8 +1259,8 @@
         </p:blipFill>
         <p:spPr>
           <a:xfrm>
-            <a:off x="6150093" y="1516189"/>
-            <a:ext cx="2438559" cy="914460"/>
+            <a:off x="6150093" y="1516188"/>
+            <a:ext cx="2853313" cy="1069993"/>
           </a:xfrm>
           <a:prstGeom prst="rect">
             <a:avLst/>
@@ -1325,15 +1294,7 @@
           <a:p>
             <a:r>
               <a:rPr lang="en-US" sz="3400" dirty="0" smtClean="0"/>
-              <a:t>1) </a:t>
-            </a:r>
-            <a:r>
-              <a:rPr lang="en-US" sz="3400" dirty="0" smtClean="0"/>
-              <a:t>Circle </a:t>
-            </a:r>
-            <a:r>
-              <a:rPr lang="en-US" sz="3400" dirty="0" smtClean="0"/>
-              <a:t>the correct answer:</a:t>
+              <a:t>1) Circle the correct answer:</a:t>
             </a:r>
           </a:p>
           <a:p>
@@ -1429,19 +1390,7 @@
           <a:p>
             <a:r>
               <a:rPr lang="en-US" sz="3400" dirty="0" smtClean="0"/>
-              <a:t>2</a:t>
-            </a:r>
-            <a:r>
-              <a:rPr lang="en-US" sz="3400" dirty="0" smtClean="0"/>
-              <a:t>) </a:t>
-            </a:r>
-            <a:r>
-              <a:rPr lang="en-US" sz="3400" dirty="0" smtClean="0"/>
-              <a:t>Circle </a:t>
-            </a:r>
-            <a:r>
-              <a:rPr lang="en-US" sz="3400" dirty="0" smtClean="0"/>
-              <a:t>the correct answer:</a:t>
+              <a:t>2) Circle the correct answer:</a:t>
             </a:r>
           </a:p>
           <a:p>
@@ -1527,6 +1476,120 @@
           </a:p>
         </p:txBody>
       </p:sp>
+      <p:graphicFrame>
+        <p:nvGraphicFramePr>
+          <p:cNvPr id="2" name="Object 1"/>
+          <p:cNvGraphicFramePr>
+            <a:graphicFrameLocks noChangeAspect="1"/>
+          </p:cNvGraphicFramePr>
+          <p:nvPr>
+            <p:extLst>
+              <p:ext uri="{D42A27DB-BD31-4B8C-83A1-F6EECF244321}">
+                <p14:modId xmlns:p14="http://schemas.microsoft.com/office/powerpoint/2010/main" val="1902976511"/>
+              </p:ext>
+            </p:extLst>
+          </p:nvPr>
+        </p:nvGraphicFramePr>
+        <p:xfrm>
+          <a:off x="4514850" y="3346450"/>
+          <a:ext cx="114300" cy="165100"/>
+        </p:xfrm>
+        <a:graphic>
+          <a:graphicData uri="http://schemas.openxmlformats.org/presentationml/2006/ole">
+            <mc:AlternateContent xmlns:mc="http://schemas.openxmlformats.org/markup-compatibility/2006">
+              <mc:Choice xmlns:v="urn:schemas-microsoft-com:vml" Requires="v">
+                <p:oleObj spid="_x0000_s1025" name="Equation" r:id="rId5" imgW="114300" imgH="165100" progId="Equation.3">
+                  <p:embed/>
+                </p:oleObj>
+              </mc:Choice>
+              <mc:Fallback>
+                <p:oleObj name="Equation" r:id="rId5" imgW="114300" imgH="165100" progId="Equation.3">
+                  <p:embed/>
+                  <p:pic>
+                    <p:nvPicPr>
+                      <p:cNvPr id="0" name=""/>
+                      <p:cNvPicPr/>
+                      <p:nvPr/>
+                    </p:nvPicPr>
+                    <p:blipFill>
+                      <a:blip r:embed="rId6"/>
+                      <a:stretch>
+                        <a:fillRect/>
+                      </a:stretch>
+                    </p:blipFill>
+                    <p:spPr>
+                      <a:xfrm>
+                        <a:off x="4514850" y="3346450"/>
+                        <a:ext cx="114300" cy="165100"/>
+                      </a:xfrm>
+                      <a:prstGeom prst="rect">
+                        <a:avLst/>
+                      </a:prstGeom>
+                    </p:spPr>
+                  </p:pic>
+                </p:oleObj>
+              </mc:Fallback>
+            </mc:AlternateContent>
+          </a:graphicData>
+        </a:graphic>
+      </p:graphicFrame>
+      <p:graphicFrame>
+        <p:nvGraphicFramePr>
+          <p:cNvPr id="4" name="Object 3"/>
+          <p:cNvGraphicFramePr>
+            <a:graphicFrameLocks noChangeAspect="1"/>
+          </p:cNvGraphicFramePr>
+          <p:nvPr>
+            <p:extLst>
+              <p:ext uri="{D42A27DB-BD31-4B8C-83A1-F6EECF244321}">
+                <p14:modId xmlns:p14="http://schemas.microsoft.com/office/powerpoint/2010/main" val="398681922"/>
+              </p:ext>
+            </p:extLst>
+          </p:nvPr>
+        </p:nvGraphicFramePr>
+        <p:xfrm>
+          <a:off x="408901" y="1496622"/>
+          <a:ext cx="2438848" cy="934027"/>
+        </p:xfrm>
+        <a:graphic>
+          <a:graphicData uri="http://schemas.openxmlformats.org/presentationml/2006/ole">
+            <mc:AlternateContent xmlns:mc="http://schemas.openxmlformats.org/markup-compatibility/2006">
+              <mc:Choice xmlns:v="urn:schemas-microsoft-com:vml" Requires="v">
+                <p:oleObj spid="_x0000_s1026" name="Equation" r:id="rId7" imgW="596900" imgH="228600" progId="Equation.3">
+                  <p:embed/>
+                </p:oleObj>
+              </mc:Choice>
+              <mc:Fallback>
+                <p:oleObj name="Equation" r:id="rId7" imgW="596900" imgH="228600" progId="Equation.3">
+                  <p:embed/>
+                  <p:pic>
+                    <p:nvPicPr>
+                      <p:cNvPr id="0" name=""/>
+                      <p:cNvPicPr/>
+                      <p:nvPr/>
+                    </p:nvPicPr>
+                    <p:blipFill>
+                      <a:blip r:embed="rId8"/>
+                      <a:stretch>
+                        <a:fillRect/>
+                      </a:stretch>
+                    </p:blipFill>
+                    <p:spPr>
+                      <a:xfrm>
+                        <a:off x="408901" y="1496622"/>
+                        <a:ext cx="2438848" cy="934027"/>
+                      </a:xfrm>
+                      <a:prstGeom prst="rect">
+                        <a:avLst/>
+                      </a:prstGeom>
+                    </p:spPr>
+                  </p:pic>
+                </p:oleObj>
+              </mc:Fallback>
+            </mc:AlternateContent>
+          </a:graphicData>
+        </a:graphic>
+      </p:graphicFrame>
     </p:spTree>
     <p:extLst>
       <p:ext uri="{BB962C8B-B14F-4D97-AF65-F5344CB8AC3E}">

--- a/spring13/slides13/microquiz9f.pptx
+++ b/spring13/slides13/microquiz9f.pptx
@@ -1219,54 +1219,6 @@
           </a:p>
         </p:txBody>
       </p:sp>
-      <p:pic>
-        <p:nvPicPr>
-          <p:cNvPr id="9" name="Picture 8"/>
-          <p:cNvPicPr>
-            <a:picLocks noChangeAspect="1"/>
-          </p:cNvPicPr>
-          <p:nvPr/>
-        </p:nvPicPr>
-        <p:blipFill>
-          <a:blip r:embed="rId3"/>
-          <a:stretch>
-            <a:fillRect/>
-          </a:stretch>
-        </p:blipFill>
-        <p:spPr>
-          <a:xfrm>
-            <a:off x="3202784" y="1364192"/>
-            <a:ext cx="2749477" cy="1221990"/>
-          </a:xfrm>
-          <a:prstGeom prst="rect">
-            <a:avLst/>
-          </a:prstGeom>
-        </p:spPr>
-      </p:pic>
-      <p:pic>
-        <p:nvPicPr>
-          <p:cNvPr id="10" name="Picture 9"/>
-          <p:cNvPicPr>
-            <a:picLocks noChangeAspect="1"/>
-          </p:cNvPicPr>
-          <p:nvPr/>
-        </p:nvPicPr>
-        <p:blipFill>
-          <a:blip r:embed="rId4"/>
-          <a:stretch>
-            <a:fillRect/>
-          </a:stretch>
-        </p:blipFill>
-        <p:spPr>
-          <a:xfrm>
-            <a:off x="6150093" y="1516188"/>
-            <a:ext cx="2853313" cy="1069993"/>
-          </a:xfrm>
-          <a:prstGeom prst="rect">
-            <a:avLst/>
-          </a:prstGeom>
-        </p:spPr>
-      </p:pic>
       <p:sp>
         <p:nvSpPr>
           <p:cNvPr id="11" name="TextBox 10"/>
@@ -1275,8 +1227,8 @@
         </p:nvSpPr>
         <p:spPr>
           <a:xfrm>
-            <a:off x="211173" y="2067166"/>
-            <a:ext cx="6895450" cy="2185214"/>
+            <a:off x="211173" y="1639984"/>
+            <a:ext cx="8678827" cy="2308324"/>
           </a:xfrm>
           <a:prstGeom prst="rect">
             <a:avLst/>
@@ -1284,195 +1236,68 @@
           <a:noFill/>
         </p:spPr>
         <p:txBody>
-          <a:bodyPr wrap="none" rtlCol="0">
+          <a:bodyPr wrap="square" rtlCol="0">
             <a:spAutoFit/>
           </a:bodyPr>
           <a:lstStyle/>
           <a:p>
-            <a:endParaRPr lang="en-US" sz="3400" dirty="0" smtClean="0"/>
-          </a:p>
-          <a:p>
-            <a:r>
-              <a:rPr lang="en-US" sz="3400" dirty="0" smtClean="0"/>
-              <a:t>1) Circle the correct answer:</a:t>
-            </a:r>
-          </a:p>
-          <a:p>
-            <a:pPr marL="514350" indent="-514350">
-              <a:buAutoNum type="alphaLcParenR"/>
-            </a:pPr>
-            <a:r>
-              <a:rPr lang="en-US" sz="3400" dirty="0" smtClean="0">
-                <a:latin typeface="Calibri (Body)"/>
-                <a:cs typeface="Calibri (Body)"/>
-              </a:rPr>
-              <a:t>f(n) = O(g(n))   b) g(n) = O(f(n))   </a:t>
-            </a:r>
-          </a:p>
-          <a:p>
-            <a:r>
-              <a:rPr lang="en-US" sz="3400" dirty="0" smtClean="0">
-                <a:latin typeface="Calibri (Body)"/>
-                <a:cs typeface="Calibri (Body)"/>
-              </a:rPr>
-              <a:t>c) f(n) = </a:t>
-            </a:r>
-            <a:r>
-              <a:rPr lang="en-US" sz="3400" i="0" dirty="0" err="1" smtClean="0">
-                <a:latin typeface="Calibri (Body)"/>
-                <a:ea typeface="Lucida Grande"/>
-                <a:cs typeface="Calibri (Body)"/>
-              </a:rPr>
-              <a:t>Θ</a:t>
-            </a:r>
-            <a:r>
-              <a:rPr lang="en-US" sz="3400" i="0" dirty="0" smtClean="0">
-                <a:latin typeface="Calibri (Body)"/>
-                <a:ea typeface="Lucida Grande"/>
-                <a:cs typeface="Calibri (Body)"/>
-              </a:rPr>
-              <a:t>(g(n))</a:t>
-            </a:r>
-            <a:r>
-              <a:rPr lang="en-US" sz="3400" dirty="0" smtClean="0">
-                <a:latin typeface="Calibri (Body)"/>
-                <a:cs typeface="Calibri (Body)"/>
-              </a:rPr>
-              <a:t>    d) g(n) = </a:t>
-            </a:r>
-            <a:r>
-              <a:rPr lang="en-US" sz="3400" i="0" dirty="0" err="1" smtClean="0">
-                <a:latin typeface="Calibri (Body)"/>
-                <a:ea typeface="Lucida Grande"/>
-                <a:cs typeface="Calibri (Body)"/>
-              </a:rPr>
-              <a:t>Θ</a:t>
-            </a:r>
-            <a:r>
-              <a:rPr lang="en-US" sz="3400" i="0" dirty="0" smtClean="0">
-                <a:latin typeface="Calibri (Body)"/>
-                <a:ea typeface="Lucida Grande"/>
-                <a:cs typeface="Calibri (Body)"/>
-              </a:rPr>
-              <a:t>(g(n))</a:t>
-            </a:r>
-            <a:r>
-              <a:rPr lang="en-US" sz="3400" dirty="0" smtClean="0">
-                <a:latin typeface="Calibri (Body)"/>
-                <a:cs typeface="Calibri (Body)"/>
-              </a:rPr>
-              <a:t> </a:t>
-            </a:r>
-          </a:p>
-        </p:txBody>
-      </p:sp>
-      <p:sp>
-        <p:nvSpPr>
-          <p:cNvPr id="12" name="TextBox 11"/>
-          <p:cNvSpPr txBox="1"/>
-          <p:nvPr/>
-        </p:nvSpPr>
-        <p:spPr>
-          <a:xfrm>
-            <a:off x="340914" y="4841109"/>
-            <a:ext cx="7016589" cy="1661993"/>
-          </a:xfrm>
-          <a:prstGeom prst="rect">
-            <a:avLst/>
-          </a:prstGeom>
-          <a:noFill/>
-        </p:spPr>
-        <p:txBody>
-          <a:bodyPr wrap="none" rtlCol="0">
-            <a:spAutoFit/>
-          </a:bodyPr>
-          <a:lstStyle/>
-          <a:p>
-            <a:r>
-              <a:rPr lang="en-US" sz="3400" dirty="0" smtClean="0"/>
-              <a:t>2) Circle the correct answer:</a:t>
-            </a:r>
-          </a:p>
-          <a:p>
-            <a:pPr marL="514350" indent="-514350">
-              <a:buAutoNum type="alphaLcParenR"/>
-            </a:pPr>
-            <a:r>
-              <a:rPr lang="en-US" sz="3400" dirty="0" smtClean="0">
-                <a:latin typeface="Calibri (Body)"/>
-                <a:cs typeface="Calibri (Body)"/>
-              </a:rPr>
-              <a:t>g(n) = O(h(n))   b) h(n) = O(</a:t>
-            </a:r>
-            <a:r>
-              <a:rPr lang="en-US" sz="3400" dirty="0">
-                <a:latin typeface="Calibri (Body)"/>
-                <a:cs typeface="Calibri (Body)"/>
-              </a:rPr>
+            <a:r>
+              <a:rPr lang="en-US" sz="3600" dirty="0" smtClean="0"/>
+              <a:t>State the strongest asymptotic relation (O(</a:t>
+            </a:r>
+            <a:r>
+              <a:rPr lang="en-US" sz="3600" dirty="0" smtClean="0"/>
+              <a:t>), o(), ~,    ) </a:t>
+            </a:r>
+            <a:r>
+              <a:rPr lang="en-US" sz="3600" dirty="0" smtClean="0"/>
+              <a:t>between the following 2 pairs </a:t>
+            </a:r>
+            <a:r>
+              <a:rPr lang="en-US" sz="3600" dirty="0"/>
+              <a:t>of </a:t>
+            </a:r>
+            <a:r>
+              <a:rPr lang="en-US" sz="3600" dirty="0" smtClean="0"/>
+              <a:t>relations </a:t>
+            </a:r>
+            <a:r>
+              <a:rPr lang="en-US" sz="3600" dirty="0"/>
+              <a:t>(f =o(g) is stronger than f=O(g), and </a:t>
+            </a:r>
+            <a:r>
+              <a:rPr lang="en-US" sz="3600" dirty="0" err="1"/>
+              <a:t>f~g</a:t>
+            </a:r>
+            <a:r>
+              <a:rPr lang="en-US" sz="3600" dirty="0"/>
+              <a:t> is </a:t>
+            </a:r>
+            <a:r>
+              <a:rPr lang="en-US" sz="3600" dirty="0" smtClean="0"/>
+              <a:t>stronger </a:t>
+            </a:r>
+            <a:r>
+              <a:rPr lang="en-US" sz="3600" dirty="0"/>
+              <a:t>than f = </a:t>
+            </a:r>
+            <a:r>
+              <a:rPr lang="en-US" sz="3600" dirty="0" smtClean="0"/>
+              <a:t>   (</a:t>
+            </a:r>
+            <a:r>
+              <a:rPr lang="en-US" sz="3600" dirty="0"/>
               <a:t>g</a:t>
             </a:r>
             <a:r>
-              <a:rPr lang="en-US" sz="3400" dirty="0" smtClean="0">
-                <a:latin typeface="Calibri (Body)"/>
-                <a:cs typeface="Calibri (Body)"/>
-              </a:rPr>
-              <a:t>(n))    </a:t>
-            </a:r>
-          </a:p>
-          <a:p>
-            <a:r>
-              <a:rPr lang="en-US" sz="3400" dirty="0" smtClean="0">
-                <a:latin typeface="Calibri (Body)"/>
-                <a:cs typeface="Calibri (Body)"/>
-              </a:rPr>
-              <a:t>c)  f(n) = </a:t>
-            </a:r>
-            <a:r>
-              <a:rPr lang="en-US" sz="3400" i="0" dirty="0" err="1" smtClean="0">
-                <a:latin typeface="Calibri (Body)"/>
-                <a:ea typeface="Lucida Grande"/>
-                <a:cs typeface="Calibri (Body)"/>
-              </a:rPr>
-              <a:t>Θ</a:t>
-            </a:r>
-            <a:r>
-              <a:rPr lang="en-US" sz="3400" i="0" dirty="0" smtClean="0">
-                <a:latin typeface="Calibri (Body)"/>
-                <a:ea typeface="Lucida Grande"/>
-                <a:cs typeface="Calibri (Body)"/>
-              </a:rPr>
-              <a:t>(h(n))</a:t>
-            </a:r>
-            <a:r>
-              <a:rPr lang="en-US" sz="3400" dirty="0" smtClean="0">
-                <a:latin typeface="Calibri (Body)"/>
-                <a:cs typeface="Calibri (Body)"/>
-              </a:rPr>
-              <a:t>    d) h(n) = </a:t>
-            </a:r>
-            <a:r>
-              <a:rPr lang="en-US" sz="3400" i="0" dirty="0" err="1" smtClean="0">
-                <a:latin typeface="Calibri (Body)"/>
-                <a:ea typeface="Lucida Grande"/>
-                <a:cs typeface="Calibri (Body)"/>
-              </a:rPr>
-              <a:t>Θ</a:t>
-            </a:r>
-            <a:r>
-              <a:rPr lang="en-US" sz="3400" i="0" dirty="0" smtClean="0">
-                <a:latin typeface="Calibri (Body)"/>
-                <a:ea typeface="Lucida Grande"/>
-                <a:cs typeface="Calibri (Body)"/>
-              </a:rPr>
-              <a:t>(g(n))</a:t>
-            </a:r>
-            <a:r>
-              <a:rPr lang="en-US" sz="3400" dirty="0" smtClean="0">
-                <a:latin typeface="Calibri (Body)"/>
-                <a:cs typeface="Calibri (Body)"/>
-              </a:rPr>
-              <a:t> </a:t>
-            </a:r>
+              <a:rPr lang="en-US" sz="3600" dirty="0" smtClean="0"/>
+              <a:t>)</a:t>
+            </a:r>
+            <a:r>
+              <a:rPr lang="en-US" sz="3600" dirty="0" smtClean="0"/>
+              <a:t>):</a:t>
+            </a:r>
+            <a:endParaRPr lang="en-US" sz="3600" dirty="0" smtClean="0"/>
           </a:p>
         </p:txBody>
       </p:sp>
@@ -1498,12 +1323,12 @@
           <a:graphicData uri="http://schemas.openxmlformats.org/presentationml/2006/ole">
             <mc:AlternateContent xmlns:mc="http://schemas.openxmlformats.org/markup-compatibility/2006">
               <mc:Choice xmlns:v="urn:schemas-microsoft-com:vml" Requires="v">
-                <p:oleObj spid="_x0000_s1025" name="Equation" r:id="rId5" imgW="114300" imgH="165100" progId="Equation.3">
+                <p:oleObj spid="_x0000_s1053" name="Equation" r:id="rId3" imgW="114300" imgH="165100" progId="Equation.3">
                   <p:embed/>
                 </p:oleObj>
               </mc:Choice>
               <mc:Fallback>
-                <p:oleObj name="Equation" r:id="rId5" imgW="114300" imgH="165100" progId="Equation.3">
+                <p:oleObj name="Equation" r:id="rId3" imgW="114300" imgH="165100" progId="Equation.3">
                   <p:embed/>
                   <p:pic>
                     <p:nvPicPr>
@@ -1512,7 +1337,7 @@
                       <p:nvPr/>
                     </p:nvPicPr>
                     <p:blipFill>
-                      <a:blip r:embed="rId6"/>
+                      <a:blip r:embed="rId4"/>
                       <a:stretch>
                         <a:fillRect/>
                       </a:stretch>
@@ -1542,20 +1367,151 @@
           <p:nvPr>
             <p:extLst>
               <p:ext uri="{D42A27DB-BD31-4B8C-83A1-F6EECF244321}">
-                <p14:modId xmlns:p14="http://schemas.microsoft.com/office/powerpoint/2010/main" val="398681922"/>
+                <p14:modId xmlns:p14="http://schemas.microsoft.com/office/powerpoint/2010/main" val="2049408717"/>
               </p:ext>
             </p:extLst>
           </p:nvPr>
         </p:nvGraphicFramePr>
         <p:xfrm>
-          <a:off x="408901" y="1496622"/>
+          <a:off x="1055447" y="4233443"/>
           <a:ext cx="2438848" cy="934027"/>
         </p:xfrm>
         <a:graphic>
           <a:graphicData uri="http://schemas.openxmlformats.org/presentationml/2006/ole">
             <mc:AlternateContent xmlns:mc="http://schemas.openxmlformats.org/markup-compatibility/2006">
               <mc:Choice xmlns:v="urn:schemas-microsoft-com:vml" Requires="v">
-                <p:oleObj spid="_x0000_s1026" name="Equation" r:id="rId7" imgW="596900" imgH="228600" progId="Equation.3">
+                <p:oleObj spid="_x0000_s1054" name="Equation" r:id="rId5" imgW="596900" imgH="228600" progId="Equation.3">
+                  <p:embed/>
+                </p:oleObj>
+              </mc:Choice>
+              <mc:Fallback>
+                <p:oleObj name="Equation" r:id="rId5" imgW="596900" imgH="228600" progId="Equation.3">
+                  <p:embed/>
+                  <p:pic>
+                    <p:nvPicPr>
+                      <p:cNvPr id="0" name=""/>
+                      <p:cNvPicPr/>
+                      <p:nvPr/>
+                    </p:nvPicPr>
+                    <p:blipFill>
+                      <a:blip r:embed="rId6"/>
+                      <a:stretch>
+                        <a:fillRect/>
+                      </a:stretch>
+                    </p:blipFill>
+                    <p:spPr>
+                      <a:xfrm>
+                        <a:off x="1055447" y="4233443"/>
+                        <a:ext cx="2438848" cy="934027"/>
+                      </a:xfrm>
+                      <a:prstGeom prst="rect">
+                        <a:avLst/>
+                      </a:prstGeom>
+                    </p:spPr>
+                  </p:pic>
+                </p:oleObj>
+              </mc:Fallback>
+            </mc:AlternateContent>
+          </a:graphicData>
+        </a:graphic>
+      </p:graphicFrame>
+      <p:sp>
+        <p:nvSpPr>
+          <p:cNvPr id="5" name="TextBox 4"/>
+          <p:cNvSpPr txBox="1"/>
+          <p:nvPr/>
+        </p:nvSpPr>
+        <p:spPr>
+          <a:xfrm>
+            <a:off x="211173" y="4336473"/>
+            <a:ext cx="687207" cy="830997"/>
+          </a:xfrm>
+          <a:prstGeom prst="rect">
+            <a:avLst/>
+          </a:prstGeom>
+          <a:noFill/>
+        </p:spPr>
+        <p:txBody>
+          <a:bodyPr wrap="none" rtlCol="0">
+            <a:spAutoFit/>
+          </a:bodyPr>
+          <a:lstStyle/>
+          <a:p>
+            <a:r>
+              <a:rPr lang="en-US" sz="4800" dirty="0" smtClean="0">
+                <a:latin typeface="Comic Sans MS" pitchFamily="66" charset="0"/>
+              </a:rPr>
+              <a:t>1)</a:t>
+            </a:r>
+            <a:endParaRPr lang="en-US" sz="4800" dirty="0" smtClean="0">
+              <a:latin typeface="Comic Sans MS" pitchFamily="66" charset="0"/>
+            </a:endParaRPr>
+          </a:p>
+        </p:txBody>
+      </p:sp>
+      <p:sp>
+        <p:nvSpPr>
+          <p:cNvPr id="13" name="TextBox 12"/>
+          <p:cNvSpPr txBox="1"/>
+          <p:nvPr/>
+        </p:nvSpPr>
+        <p:spPr>
+          <a:xfrm>
+            <a:off x="211173" y="5293591"/>
+            <a:ext cx="785792" cy="830997"/>
+          </a:xfrm>
+          <a:prstGeom prst="rect">
+            <a:avLst/>
+          </a:prstGeom>
+          <a:noFill/>
+        </p:spPr>
+        <p:txBody>
+          <a:bodyPr wrap="none" rtlCol="0">
+            <a:spAutoFit/>
+          </a:bodyPr>
+          <a:lstStyle/>
+          <a:p>
+            <a:r>
+              <a:rPr lang="en-US" sz="4800" dirty="0">
+                <a:latin typeface="Comic Sans MS" pitchFamily="66" charset="0"/>
+              </a:rPr>
+              <a:t>2</a:t>
+            </a:r>
+            <a:r>
+              <a:rPr lang="en-US" sz="4800" dirty="0" smtClean="0">
+                <a:latin typeface="Comic Sans MS" pitchFamily="66" charset="0"/>
+              </a:rPr>
+              <a:t>)</a:t>
+            </a:r>
+            <a:endParaRPr lang="en-US" sz="4800" dirty="0" smtClean="0">
+              <a:latin typeface="Comic Sans MS" pitchFamily="66" charset="0"/>
+            </a:endParaRPr>
+          </a:p>
+        </p:txBody>
+      </p:sp>
+      <p:graphicFrame>
+        <p:nvGraphicFramePr>
+          <p:cNvPr id="14" name="Object 13"/>
+          <p:cNvGraphicFramePr>
+            <a:graphicFrameLocks noChangeAspect="1"/>
+          </p:cNvGraphicFramePr>
+          <p:nvPr>
+            <p:extLst>
+              <p:ext uri="{D42A27DB-BD31-4B8C-83A1-F6EECF244321}">
+                <p14:modId xmlns:p14="http://schemas.microsoft.com/office/powerpoint/2010/main" val="4012291031"/>
+              </p:ext>
+            </p:extLst>
+          </p:nvPr>
+        </p:nvGraphicFramePr>
+        <p:xfrm>
+          <a:off x="1055447" y="5202683"/>
+          <a:ext cx="2438848" cy="934027"/>
+        </p:xfrm>
+        <a:graphic>
+          <a:graphicData uri="http://schemas.openxmlformats.org/presentationml/2006/ole">
+            <mc:AlternateContent xmlns:mc="http://schemas.openxmlformats.org/markup-compatibility/2006">
+              <mc:Choice xmlns:v="urn:schemas-microsoft-com:vml" Requires="v">
+                <p:oleObj spid="_x0000_s1055" name="Equation" r:id="rId7" imgW="596900" imgH="228600" progId="Equation.3">
                   <p:embed/>
                 </p:oleObj>
               </mc:Choice>
@@ -1569,15 +1525,243 @@
                       <p:nvPr/>
                     </p:nvPicPr>
                     <p:blipFill>
-                      <a:blip r:embed="rId8"/>
+                      <a:blip r:embed="rId6"/>
                       <a:stretch>
                         <a:fillRect/>
                       </a:stretch>
                     </p:blipFill>
                     <p:spPr>
                       <a:xfrm>
-                        <a:off x="408901" y="1496622"/>
+                        <a:off x="1055447" y="5202683"/>
                         <a:ext cx="2438848" cy="934027"/>
+                      </a:xfrm>
+                      <a:prstGeom prst="rect">
+                        <a:avLst/>
+                      </a:prstGeom>
+                    </p:spPr>
+                  </p:pic>
+                </p:oleObj>
+              </mc:Fallback>
+            </mc:AlternateContent>
+          </a:graphicData>
+        </a:graphic>
+      </p:graphicFrame>
+      <p:graphicFrame>
+        <p:nvGraphicFramePr>
+          <p:cNvPr id="8" name="Object 7"/>
+          <p:cNvGraphicFramePr>
+            <a:graphicFrameLocks noChangeAspect="1"/>
+          </p:cNvGraphicFramePr>
+          <p:nvPr>
+            <p:extLst>
+              <p:ext uri="{D42A27DB-BD31-4B8C-83A1-F6EECF244321}">
+                <p14:modId xmlns:p14="http://schemas.microsoft.com/office/powerpoint/2010/main" val="889771846"/>
+              </p:ext>
+            </p:extLst>
+          </p:nvPr>
+        </p:nvGraphicFramePr>
+        <p:xfrm>
+          <a:off x="3859067" y="4336473"/>
+          <a:ext cx="2181367" cy="830997"/>
+        </p:xfrm>
+        <a:graphic>
+          <a:graphicData uri="http://schemas.openxmlformats.org/presentationml/2006/ole">
+            <mc:AlternateContent xmlns:mc="http://schemas.openxmlformats.org/markup-compatibility/2006">
+              <mc:Choice xmlns:v="urn:schemas-microsoft-com:vml" Requires="v">
+                <p:oleObj spid="_x0000_s1056" name="Equation" r:id="rId8" imgW="533400" imgH="203200" progId="Equation.3">
+                  <p:embed/>
+                </p:oleObj>
+              </mc:Choice>
+              <mc:Fallback>
+                <p:oleObj name="Equation" r:id="rId8" imgW="533400" imgH="203200" progId="Equation.3">
+                  <p:embed/>
+                  <p:pic>
+                    <p:nvPicPr>
+                      <p:cNvPr id="0" name=""/>
+                      <p:cNvPicPr/>
+                      <p:nvPr/>
+                    </p:nvPicPr>
+                    <p:blipFill>
+                      <a:blip r:embed="rId9"/>
+                      <a:stretch>
+                        <a:fillRect/>
+                      </a:stretch>
+                    </p:blipFill>
+                    <p:spPr>
+                      <a:xfrm>
+                        <a:off x="3859067" y="4336473"/>
+                        <a:ext cx="2181367" cy="830997"/>
+                      </a:xfrm>
+                      <a:prstGeom prst="rect">
+                        <a:avLst/>
+                      </a:prstGeom>
+                    </p:spPr>
+                  </p:pic>
+                </p:oleObj>
+              </mc:Fallback>
+            </mc:AlternateContent>
+          </a:graphicData>
+        </a:graphic>
+      </p:graphicFrame>
+      <p:graphicFrame>
+        <p:nvGraphicFramePr>
+          <p:cNvPr id="15" name="Object 14"/>
+          <p:cNvGraphicFramePr>
+            <a:graphicFrameLocks noChangeAspect="1"/>
+          </p:cNvGraphicFramePr>
+          <p:nvPr>
+            <p:extLst>
+              <p:ext uri="{D42A27DB-BD31-4B8C-83A1-F6EECF244321}">
+                <p14:modId xmlns:p14="http://schemas.microsoft.com/office/powerpoint/2010/main" val="1215343898"/>
+              </p:ext>
+            </p:extLst>
+          </p:nvPr>
+        </p:nvGraphicFramePr>
+        <p:xfrm>
+          <a:off x="3859067" y="5167470"/>
+          <a:ext cx="2392795" cy="957118"/>
+        </p:xfrm>
+        <a:graphic>
+          <a:graphicData uri="http://schemas.openxmlformats.org/presentationml/2006/ole">
+            <mc:AlternateContent xmlns:mc="http://schemas.openxmlformats.org/markup-compatibility/2006">
+              <mc:Choice xmlns:v="urn:schemas-microsoft-com:vml" Requires="v">
+                <p:oleObj spid="_x0000_s1057" name="Equation" r:id="rId10" imgW="571500" imgH="228600" progId="Equation.3">
+                  <p:embed/>
+                </p:oleObj>
+              </mc:Choice>
+              <mc:Fallback>
+                <p:oleObj name="Equation" r:id="rId10" imgW="571500" imgH="228600" progId="Equation.3">
+                  <p:embed/>
+                  <p:pic>
+                    <p:nvPicPr>
+                      <p:cNvPr id="0" name=""/>
+                      <p:cNvPicPr/>
+                      <p:nvPr/>
+                    </p:nvPicPr>
+                    <p:blipFill>
+                      <a:blip r:embed="rId11"/>
+                      <a:stretch>
+                        <a:fillRect/>
+                      </a:stretch>
+                    </p:blipFill>
+                    <p:spPr>
+                      <a:xfrm>
+                        <a:off x="3859067" y="5167470"/>
+                        <a:ext cx="2392795" cy="957118"/>
+                      </a:xfrm>
+                      <a:prstGeom prst="rect">
+                        <a:avLst/>
+                      </a:prstGeom>
+                    </p:spPr>
+                  </p:pic>
+                </p:oleObj>
+              </mc:Fallback>
+            </mc:AlternateContent>
+          </a:graphicData>
+        </a:graphic>
+      </p:graphicFrame>
+      <p:graphicFrame>
+        <p:nvGraphicFramePr>
+          <p:cNvPr id="17" name="Object 16"/>
+          <p:cNvGraphicFramePr>
+            <a:graphicFrameLocks noChangeAspect="1"/>
+          </p:cNvGraphicFramePr>
+          <p:nvPr>
+            <p:extLst>
+              <p:ext uri="{D42A27DB-BD31-4B8C-83A1-F6EECF244321}">
+                <p14:modId xmlns:p14="http://schemas.microsoft.com/office/powerpoint/2010/main" val="3281958318"/>
+              </p:ext>
+            </p:extLst>
+          </p:nvPr>
+        </p:nvGraphicFramePr>
+        <p:xfrm>
+          <a:off x="1493982" y="2277917"/>
+          <a:ext cx="445655" cy="519931"/>
+        </p:xfrm>
+        <a:graphic>
+          <a:graphicData uri="http://schemas.openxmlformats.org/presentationml/2006/ole">
+            <mc:AlternateContent xmlns:mc="http://schemas.openxmlformats.org/markup-compatibility/2006">
+              <mc:Choice xmlns:v="urn:schemas-microsoft-com:vml" Requires="v">
+                <p:oleObj spid="_x0000_s1058" name="Equation" r:id="rId12" imgW="152400" imgH="177800" progId="Equation.3">
+                  <p:embed/>
+                </p:oleObj>
+              </mc:Choice>
+              <mc:Fallback>
+                <p:oleObj name="Equation" r:id="rId12" imgW="152400" imgH="177800" progId="Equation.3">
+                  <p:embed/>
+                  <p:pic>
+                    <p:nvPicPr>
+                      <p:cNvPr id="0" name=""/>
+                      <p:cNvPicPr/>
+                      <p:nvPr/>
+                    </p:nvPicPr>
+                    <p:blipFill>
+                      <a:blip r:embed="rId13"/>
+                      <a:stretch>
+                        <a:fillRect/>
+                      </a:stretch>
+                    </p:blipFill>
+                    <p:spPr>
+                      <a:xfrm>
+                        <a:off x="1493982" y="2277917"/>
+                        <a:ext cx="445655" cy="519931"/>
+                      </a:xfrm>
+                      <a:prstGeom prst="rect">
+                        <a:avLst/>
+                      </a:prstGeom>
+                    </p:spPr>
+                  </p:pic>
+                </p:oleObj>
+              </mc:Fallback>
+            </mc:AlternateContent>
+          </a:graphicData>
+        </a:graphic>
+      </p:graphicFrame>
+      <p:graphicFrame>
+        <p:nvGraphicFramePr>
+          <p:cNvPr id="19" name="Object 18"/>
+          <p:cNvGraphicFramePr>
+            <a:graphicFrameLocks noChangeAspect="1"/>
+          </p:cNvGraphicFramePr>
+          <p:nvPr>
+            <p:extLst>
+              <p:ext uri="{D42A27DB-BD31-4B8C-83A1-F6EECF244321}">
+                <p14:modId xmlns:p14="http://schemas.microsoft.com/office/powerpoint/2010/main" val="2140585935"/>
+              </p:ext>
+            </p:extLst>
+          </p:nvPr>
+        </p:nvGraphicFramePr>
+        <p:xfrm>
+          <a:off x="4490808" y="3346450"/>
+          <a:ext cx="515878" cy="601858"/>
+        </p:xfrm>
+        <a:graphic>
+          <a:graphicData uri="http://schemas.openxmlformats.org/presentationml/2006/ole">
+            <mc:AlternateContent xmlns:mc="http://schemas.openxmlformats.org/markup-compatibility/2006">
+              <mc:Choice xmlns:v="urn:schemas-microsoft-com:vml" Requires="v">
+                <p:oleObj spid="_x0000_s1059" name="Equation" r:id="rId14" imgW="152400" imgH="177800" progId="Equation.3">
+                  <p:embed/>
+                </p:oleObj>
+              </mc:Choice>
+              <mc:Fallback>
+                <p:oleObj name="Equation" r:id="rId14" imgW="152400" imgH="177800" progId="Equation.3">
+                  <p:embed/>
+                  <p:pic>
+                    <p:nvPicPr>
+                      <p:cNvPr id="0" name=""/>
+                      <p:cNvPicPr/>
+                      <p:nvPr/>
+                    </p:nvPicPr>
+                    <p:blipFill>
+                      <a:blip r:embed="rId13"/>
+                      <a:stretch>
+                        <a:fillRect/>
+                      </a:stretch>
+                    </p:blipFill>
+                    <p:spPr>
+                      <a:xfrm>
+                        <a:off x="4490808" y="3346450"/>
+                        <a:ext cx="515878" cy="601858"/>
                       </a:xfrm>
                       <a:prstGeom prst="rect">
                         <a:avLst/>

--- a/spring13/slides13/microquiz9f.pptx
+++ b/spring13/slides13/microquiz9f.pptx
@@ -1164,7 +1164,7 @@
         <p:spPr>
           <a:xfrm>
             <a:off x="1628325" y="388045"/>
-            <a:ext cx="6072095" cy="584776"/>
+            <a:ext cx="5077432" cy="584776"/>
           </a:xfrm>
           <a:prstGeom prst="rect">
             <a:avLst/>
@@ -1182,122 +1182,26 @@
                 <a:latin typeface="Comic Sans MS"/>
                 <a:cs typeface="Comic Sans MS"/>
               </a:rPr>
-              <a:t>6.042 </a:t>
-            </a:r>
-            <a:r>
-              <a:rPr lang="en-US" sz="3200" dirty="0" err="1" smtClean="0">
-                <a:latin typeface="Comic Sans MS"/>
-                <a:cs typeface="Comic Sans MS"/>
-              </a:rPr>
-              <a:t>Microquiz</a:t>
+              <a:t>6.042 Microquiz</a:t>
             </a:r>
             <a:r>
               <a:rPr lang="en-US" sz="3200" dirty="0" smtClean="0">
                 <a:latin typeface="Comic Sans MS"/>
                 <a:cs typeface="Comic Sans MS"/>
               </a:rPr>
-              <a:t> </a:t>
-            </a:r>
-            <a:r>
-              <a:rPr lang="en-US" sz="3200" smtClean="0">
-                <a:latin typeface="Comic Sans MS"/>
-                <a:cs typeface="Comic Sans MS"/>
-              </a:rPr>
-              <a:t>April 12, </a:t>
+              <a:t>9f</a:t>
             </a:r>
             <a:r>
               <a:rPr lang="en-US" sz="3200" dirty="0" smtClean="0">
                 <a:latin typeface="Comic Sans MS"/>
                 <a:cs typeface="Comic Sans MS"/>
               </a:rPr>
-              <a:t>2013</a:t>
+              <a:t>, 2013</a:t>
             </a:r>
             <a:endParaRPr lang="en-US" sz="3200" dirty="0">
               <a:latin typeface="Comic Sans MS"/>
               <a:cs typeface="Comic Sans MS"/>
             </a:endParaRPr>
-          </a:p>
-        </p:txBody>
-      </p:sp>
-      <p:sp>
-        <p:nvSpPr>
-          <p:cNvPr id="11" name="TextBox 10"/>
-          <p:cNvSpPr txBox="1"/>
-          <p:nvPr/>
-        </p:nvSpPr>
-        <p:spPr>
-          <a:xfrm>
-            <a:off x="211173" y="1639984"/>
-            <a:ext cx="8678827" cy="2308324"/>
-          </a:xfrm>
-          <a:prstGeom prst="rect">
-            <a:avLst/>
-          </a:prstGeom>
-          <a:noFill/>
-        </p:spPr>
-        <p:txBody>
-          <a:bodyPr wrap="square" rtlCol="0">
-            <a:spAutoFit/>
-          </a:bodyPr>
-          <a:lstStyle/>
-          <a:p>
-            <a:r>
-              <a:rPr lang="en-US" sz="3600" dirty="0" smtClean="0"/>
-              <a:t>State the strongest asymptotic relation (O(</a:t>
-            </a:r>
-            <a:r>
-              <a:rPr lang="en-US" sz="3600" dirty="0" smtClean="0"/>
-              <a:t>), o(), ~,    ) </a:t>
-            </a:r>
-            <a:r>
-              <a:rPr lang="en-US" sz="3600" dirty="0" smtClean="0"/>
-              <a:t>between the following 2 pairs </a:t>
-            </a:r>
-            <a:r>
-              <a:rPr lang="en-US" sz="3600" dirty="0"/>
-              <a:t>of </a:t>
-            </a:r>
-            <a:r>
-              <a:rPr lang="en-US" sz="3600" dirty="0" smtClean="0"/>
-              <a:t>relations </a:t>
-            </a:r>
-            <a:r>
-              <a:rPr lang="en-US" sz="3600" dirty="0"/>
-              <a:t>(f =o(g) is stronger than f=O(g), and </a:t>
-            </a:r>
-            <a:r>
-              <a:rPr lang="en-US" sz="3600" dirty="0" err="1"/>
-              <a:t>f~g</a:t>
-            </a:r>
-            <a:r>
-              <a:rPr lang="en-US" sz="3600" dirty="0"/>
-              <a:t> is </a:t>
-            </a:r>
-            <a:r>
-              <a:rPr lang="en-US" sz="3600" dirty="0" smtClean="0"/>
-              <a:t>stronger </a:t>
-            </a:r>
-            <a:r>
-              <a:rPr lang="en-US" sz="3600" dirty="0"/>
-              <a:t>than f = </a:t>
-            </a:r>
-            <a:r>
-              <a:rPr lang="en-US" sz="3600" dirty="0" smtClean="0"/>
-              <a:t>   (</a:t>
-            </a:r>
-            <a:r>
-              <a:rPr lang="en-US" sz="3600" dirty="0"/>
-              <a:t>g</a:t>
-            </a:r>
-            <a:r>
-              <a:rPr lang="en-US" sz="3600" dirty="0" smtClean="0"/>
-              <a:t>)</a:t>
-            </a:r>
-            <a:r>
-              <a:rPr lang="en-US" sz="3600" dirty="0" smtClean="0"/>
-              <a:t>):</a:t>
-            </a:r>
-            <a:endParaRPr lang="en-US" sz="3600" dirty="0" smtClean="0"/>
           </a:p>
         </p:txBody>
       </p:sp>
@@ -1323,7 +1227,7 @@
           <a:graphicData uri="http://schemas.openxmlformats.org/presentationml/2006/ole">
             <mc:AlternateContent xmlns:mc="http://schemas.openxmlformats.org/markup-compatibility/2006">
               <mc:Choice xmlns:v="urn:schemas-microsoft-com:vml" Requires="v">
-                <p:oleObj spid="_x0000_s1053" name="Equation" r:id="rId3" imgW="114300" imgH="165100" progId="Equation.3">
+                <p:oleObj spid="_x0000_s1065" name="Equation" r:id="rId3" imgW="114300" imgH="165100" progId="Equation.3">
                   <p:embed/>
                 </p:oleObj>
               </mc:Choice>
@@ -1358,73 +1262,16 @@
           </a:graphicData>
         </a:graphic>
       </p:graphicFrame>
-      <p:graphicFrame>
-        <p:nvGraphicFramePr>
-          <p:cNvPr id="4" name="Object 3"/>
-          <p:cNvGraphicFramePr>
-            <a:graphicFrameLocks noChangeAspect="1"/>
-          </p:cNvGraphicFramePr>
-          <p:nvPr>
-            <p:extLst>
-              <p:ext uri="{D42A27DB-BD31-4B8C-83A1-F6EECF244321}">
-                <p14:modId xmlns:p14="http://schemas.microsoft.com/office/powerpoint/2010/main" val="2049408717"/>
-              </p:ext>
-            </p:extLst>
-          </p:nvPr>
-        </p:nvGraphicFramePr>
-        <p:xfrm>
-          <a:off x="1055447" y="4233443"/>
-          <a:ext cx="2438848" cy="934027"/>
-        </p:xfrm>
-        <a:graphic>
-          <a:graphicData uri="http://schemas.openxmlformats.org/presentationml/2006/ole">
-            <mc:AlternateContent xmlns:mc="http://schemas.openxmlformats.org/markup-compatibility/2006">
-              <mc:Choice xmlns:v="urn:schemas-microsoft-com:vml" Requires="v">
-                <p:oleObj spid="_x0000_s1054" name="Equation" r:id="rId5" imgW="596900" imgH="228600" progId="Equation.3">
-                  <p:embed/>
-                </p:oleObj>
-              </mc:Choice>
-              <mc:Fallback>
-                <p:oleObj name="Equation" r:id="rId5" imgW="596900" imgH="228600" progId="Equation.3">
-                  <p:embed/>
-                  <p:pic>
-                    <p:nvPicPr>
-                      <p:cNvPr id="0" name=""/>
-                      <p:cNvPicPr/>
-                      <p:nvPr/>
-                    </p:nvPicPr>
-                    <p:blipFill>
-                      <a:blip r:embed="rId6"/>
-                      <a:stretch>
-                        <a:fillRect/>
-                      </a:stretch>
-                    </p:blipFill>
-                    <p:spPr>
-                      <a:xfrm>
-                        <a:off x="1055447" y="4233443"/>
-                        <a:ext cx="2438848" cy="934027"/>
-                      </a:xfrm>
-                      <a:prstGeom prst="rect">
-                        <a:avLst/>
-                      </a:prstGeom>
-                    </p:spPr>
-                  </p:pic>
-                </p:oleObj>
-              </mc:Fallback>
-            </mc:AlternateContent>
-          </a:graphicData>
-        </a:graphic>
-      </p:graphicFrame>
       <p:sp>
         <p:nvSpPr>
-          <p:cNvPr id="5" name="TextBox 4"/>
+          <p:cNvPr id="16" name="TextBox 15"/>
           <p:cNvSpPr txBox="1"/>
           <p:nvPr/>
         </p:nvSpPr>
         <p:spPr>
           <a:xfrm>
-            <a:off x="211173" y="4336473"/>
-            <a:ext cx="687207" cy="830997"/>
+            <a:off x="374777" y="1517743"/>
+            <a:ext cx="8394445" cy="1077218"/>
           </a:xfrm>
           <a:prstGeom prst="rect">
             <a:avLst/>
@@ -1438,339 +1285,598 @@
           <a:lstStyle/>
           <a:p>
             <a:r>
-              <a:rPr lang="en-US" sz="4800" dirty="0" smtClean="0">
+              <a:rPr lang="en-US" sz="3200" dirty="0" smtClean="0">
                 <a:latin typeface="Comic Sans MS" pitchFamily="66" charset="0"/>
               </a:rPr>
-              <a:t>1)</a:t>
+              <a:t>Indicate the strongest asymptotic relation</a:t>
             </a:r>
-            <a:endParaRPr lang="en-US" sz="4800" dirty="0" smtClean="0">
-              <a:latin typeface="Comic Sans MS" pitchFamily="66" charset="0"/>
-            </a:endParaRPr>
           </a:p>
-        </p:txBody>
-      </p:sp>
-      <p:sp>
-        <p:nvSpPr>
-          <p:cNvPr id="13" name="TextBox 12"/>
-          <p:cNvSpPr txBox="1"/>
-          <p:nvPr/>
-        </p:nvSpPr>
-        <p:spPr>
-          <a:xfrm>
-            <a:off x="211173" y="5293591"/>
-            <a:ext cx="785792" cy="830997"/>
-          </a:xfrm>
-          <a:prstGeom prst="rect">
-            <a:avLst/>
-          </a:prstGeom>
-          <a:noFill/>
-        </p:spPr>
-        <p:txBody>
-          <a:bodyPr wrap="none" rtlCol="0">
-            <a:spAutoFit/>
-          </a:bodyPr>
-          <a:lstStyle/>
           <a:p>
             <a:r>
-              <a:rPr lang="en-US" sz="4800" dirty="0">
+              <a:rPr lang="en-US" sz="3200" dirty="0" smtClean="0">
                 <a:latin typeface="Comic Sans MS" pitchFamily="66" charset="0"/>
               </a:rPr>
-              <a:t>2</a:t>
+              <a:t>that holds between the functions f and g:</a:t>
             </a:r>
-            <a:r>
-              <a:rPr lang="en-US" sz="4800" dirty="0" smtClean="0">
-                <a:latin typeface="Comic Sans MS" pitchFamily="66" charset="0"/>
-              </a:rPr>
-              <a:t>)</a:t>
-            </a:r>
-            <a:endParaRPr lang="en-US" sz="4800" dirty="0" smtClean="0">
-              <a:latin typeface="Comic Sans MS" pitchFamily="66" charset="0"/>
-            </a:endParaRPr>
           </a:p>
         </p:txBody>
       </p:sp>
       <p:graphicFrame>
         <p:nvGraphicFramePr>
-          <p:cNvPr id="14" name="Object 13"/>
+          <p:cNvPr id="20" name="Table 19"/>
           <p:cNvGraphicFramePr>
-            <a:graphicFrameLocks noChangeAspect="1"/>
+            <a:graphicFrameLocks noGrp="1"/>
           </p:cNvGraphicFramePr>
           <p:nvPr>
             <p:extLst>
               <p:ext uri="{D42A27DB-BD31-4B8C-83A1-F6EECF244321}">
-                <p14:modId xmlns:p14="http://schemas.microsoft.com/office/powerpoint/2010/main" val="4012291031"/>
+                <p14:modId xmlns:p14="http://schemas.microsoft.com/office/powerpoint/2010/main" val="2493417585"/>
               </p:ext>
             </p:extLst>
           </p:nvPr>
         </p:nvGraphicFramePr>
         <p:xfrm>
-          <a:off x="1055447" y="5202683"/>
-          <a:ext cx="2438848" cy="934027"/>
+          <a:off x="928306" y="2992799"/>
+          <a:ext cx="6951909" cy="3033839"/>
         </p:xfrm>
         <a:graphic>
-          <a:graphicData uri="http://schemas.openxmlformats.org/presentationml/2006/ole">
-            <mc:AlternateContent xmlns:mc="http://schemas.openxmlformats.org/markup-compatibility/2006">
-              <mc:Choice xmlns:v="urn:schemas-microsoft-com:vml" Requires="v">
-                <p:oleObj spid="_x0000_s1055" name="Equation" r:id="rId7" imgW="596900" imgH="228600" progId="Equation.3">
-                  <p:embed/>
-                </p:oleObj>
-              </mc:Choice>
-              <mc:Fallback>
-                <p:oleObj name="Equation" r:id="rId7" imgW="596900" imgH="228600" progId="Equation.3">
-                  <p:embed/>
-                  <p:pic>
-                    <p:nvPicPr>
-                      <p:cNvPr id="0" name=""/>
-                      <p:cNvPicPr/>
-                      <p:nvPr/>
-                    </p:nvPicPr>
-                    <p:blipFill>
-                      <a:blip r:embed="rId6"/>
-                      <a:stretch>
-                        <a:fillRect/>
-                      </a:stretch>
-                    </p:blipFill>
-                    <p:spPr>
-                      <a:xfrm>
-                        <a:off x="1055447" y="5202683"/>
-                        <a:ext cx="2438848" cy="934027"/>
-                      </a:xfrm>
-                      <a:prstGeom prst="rect">
-                        <a:avLst/>
-                      </a:prstGeom>
-                    </p:spPr>
-                  </p:pic>
-                </p:oleObj>
-              </mc:Fallback>
-            </mc:AlternateContent>
-          </a:graphicData>
-        </a:graphic>
-      </p:graphicFrame>
-      <p:graphicFrame>
-        <p:nvGraphicFramePr>
-          <p:cNvPr id="8" name="Object 7"/>
-          <p:cNvGraphicFramePr>
-            <a:graphicFrameLocks noChangeAspect="1"/>
-          </p:cNvGraphicFramePr>
-          <p:nvPr>
-            <p:extLst>
-              <p:ext uri="{D42A27DB-BD31-4B8C-83A1-F6EECF244321}">
-                <p14:modId xmlns:p14="http://schemas.microsoft.com/office/powerpoint/2010/main" val="889771846"/>
-              </p:ext>
-            </p:extLst>
-          </p:nvPr>
-        </p:nvGraphicFramePr>
-        <p:xfrm>
-          <a:off x="3859067" y="4336473"/>
-          <a:ext cx="2181367" cy="830997"/>
-        </p:xfrm>
-        <a:graphic>
-          <a:graphicData uri="http://schemas.openxmlformats.org/presentationml/2006/ole">
-            <mc:AlternateContent xmlns:mc="http://schemas.openxmlformats.org/markup-compatibility/2006">
-              <mc:Choice xmlns:v="urn:schemas-microsoft-com:vml" Requires="v">
-                <p:oleObj spid="_x0000_s1056" name="Equation" r:id="rId8" imgW="533400" imgH="203200" progId="Equation.3">
-                  <p:embed/>
-                </p:oleObj>
-              </mc:Choice>
-              <mc:Fallback>
-                <p:oleObj name="Equation" r:id="rId8" imgW="533400" imgH="203200" progId="Equation.3">
-                  <p:embed/>
-                  <p:pic>
-                    <p:nvPicPr>
-                      <p:cNvPr id="0" name=""/>
-                      <p:cNvPicPr/>
-                      <p:nvPr/>
-                    </p:nvPicPr>
-                    <p:blipFill>
-                      <a:blip r:embed="rId9"/>
-                      <a:stretch>
-                        <a:fillRect/>
-                      </a:stretch>
-                    </p:blipFill>
-                    <p:spPr>
-                      <a:xfrm>
-                        <a:off x="3859067" y="4336473"/>
-                        <a:ext cx="2181367" cy="830997"/>
-                      </a:xfrm>
-                      <a:prstGeom prst="rect">
-                        <a:avLst/>
-                      </a:prstGeom>
-                    </p:spPr>
-                  </p:pic>
-                </p:oleObj>
-              </mc:Fallback>
-            </mc:AlternateContent>
-          </a:graphicData>
-        </a:graphic>
-      </p:graphicFrame>
-      <p:graphicFrame>
-        <p:nvGraphicFramePr>
-          <p:cNvPr id="15" name="Object 14"/>
-          <p:cNvGraphicFramePr>
-            <a:graphicFrameLocks noChangeAspect="1"/>
-          </p:cNvGraphicFramePr>
-          <p:nvPr>
-            <p:extLst>
-              <p:ext uri="{D42A27DB-BD31-4B8C-83A1-F6EECF244321}">
-                <p14:modId xmlns:p14="http://schemas.microsoft.com/office/powerpoint/2010/main" val="1215343898"/>
-              </p:ext>
-            </p:extLst>
-          </p:nvPr>
-        </p:nvGraphicFramePr>
-        <p:xfrm>
-          <a:off x="3859067" y="5167470"/>
-          <a:ext cx="2392795" cy="957118"/>
-        </p:xfrm>
-        <a:graphic>
-          <a:graphicData uri="http://schemas.openxmlformats.org/presentationml/2006/ole">
-            <mc:AlternateContent xmlns:mc="http://schemas.openxmlformats.org/markup-compatibility/2006">
-              <mc:Choice xmlns:v="urn:schemas-microsoft-com:vml" Requires="v">
-                <p:oleObj spid="_x0000_s1057" name="Equation" r:id="rId10" imgW="571500" imgH="228600" progId="Equation.3">
-                  <p:embed/>
-                </p:oleObj>
-              </mc:Choice>
-              <mc:Fallback>
-                <p:oleObj name="Equation" r:id="rId10" imgW="571500" imgH="228600" progId="Equation.3">
-                  <p:embed/>
-                  <p:pic>
-                    <p:nvPicPr>
-                      <p:cNvPr id="0" name=""/>
-                      <p:cNvPicPr/>
-                      <p:nvPr/>
-                    </p:nvPicPr>
-                    <p:blipFill>
-                      <a:blip r:embed="rId11"/>
-                      <a:stretch>
-                        <a:fillRect/>
-                      </a:stretch>
-                    </p:blipFill>
-                    <p:spPr>
-                      <a:xfrm>
-                        <a:off x="3859067" y="5167470"/>
-                        <a:ext cx="2392795" cy="957118"/>
-                      </a:xfrm>
-                      <a:prstGeom prst="rect">
-                        <a:avLst/>
-                      </a:prstGeom>
-                    </p:spPr>
-                  </p:pic>
-                </p:oleObj>
-              </mc:Fallback>
-            </mc:AlternateContent>
-          </a:graphicData>
-        </a:graphic>
-      </p:graphicFrame>
-      <p:graphicFrame>
-        <p:nvGraphicFramePr>
-          <p:cNvPr id="17" name="Object 16"/>
-          <p:cNvGraphicFramePr>
-            <a:graphicFrameLocks noChangeAspect="1"/>
-          </p:cNvGraphicFramePr>
-          <p:nvPr>
-            <p:extLst>
-              <p:ext uri="{D42A27DB-BD31-4B8C-83A1-F6EECF244321}">
-                <p14:modId xmlns:p14="http://schemas.microsoft.com/office/powerpoint/2010/main" val="3281958318"/>
-              </p:ext>
-            </p:extLst>
-          </p:nvPr>
-        </p:nvGraphicFramePr>
-        <p:xfrm>
-          <a:off x="1493982" y="2277917"/>
-          <a:ext cx="445655" cy="519931"/>
-        </p:xfrm>
-        <a:graphic>
-          <a:graphicData uri="http://schemas.openxmlformats.org/presentationml/2006/ole">
-            <mc:AlternateContent xmlns:mc="http://schemas.openxmlformats.org/markup-compatibility/2006">
-              <mc:Choice xmlns:v="urn:schemas-microsoft-com:vml" Requires="v">
-                <p:oleObj spid="_x0000_s1058" name="Equation" r:id="rId12" imgW="152400" imgH="177800" progId="Equation.3">
-                  <p:embed/>
-                </p:oleObj>
-              </mc:Choice>
-              <mc:Fallback>
-                <p:oleObj name="Equation" r:id="rId12" imgW="152400" imgH="177800" progId="Equation.3">
-                  <p:embed/>
-                  <p:pic>
-                    <p:nvPicPr>
-                      <p:cNvPr id="0" name=""/>
-                      <p:cNvPicPr/>
-                      <p:nvPr/>
-                    </p:nvPicPr>
-                    <p:blipFill>
-                      <a:blip r:embed="rId13"/>
-                      <a:stretch>
-                        <a:fillRect/>
-                      </a:stretch>
-                    </p:blipFill>
-                    <p:spPr>
-                      <a:xfrm>
-                        <a:off x="1493982" y="2277917"/>
-                        <a:ext cx="445655" cy="519931"/>
-                      </a:xfrm>
-                      <a:prstGeom prst="rect">
-                        <a:avLst/>
-                      </a:prstGeom>
-                    </p:spPr>
-                  </p:pic>
-                </p:oleObj>
-              </mc:Fallback>
-            </mc:AlternateContent>
-          </a:graphicData>
-        </a:graphic>
-      </p:graphicFrame>
-      <p:graphicFrame>
-        <p:nvGraphicFramePr>
-          <p:cNvPr id="19" name="Object 18"/>
-          <p:cNvGraphicFramePr>
-            <a:graphicFrameLocks noChangeAspect="1"/>
-          </p:cNvGraphicFramePr>
-          <p:nvPr>
-            <p:extLst>
-              <p:ext uri="{D42A27DB-BD31-4B8C-83A1-F6EECF244321}">
-                <p14:modId xmlns:p14="http://schemas.microsoft.com/office/powerpoint/2010/main" val="2140585935"/>
-              </p:ext>
-            </p:extLst>
-          </p:nvPr>
-        </p:nvGraphicFramePr>
-        <p:xfrm>
-          <a:off x="4490808" y="3346450"/>
-          <a:ext cx="515878" cy="601858"/>
-        </p:xfrm>
-        <a:graphic>
-          <a:graphicData uri="http://schemas.openxmlformats.org/presentationml/2006/ole">
-            <mc:AlternateContent xmlns:mc="http://schemas.openxmlformats.org/markup-compatibility/2006">
-              <mc:Choice xmlns:v="urn:schemas-microsoft-com:vml" Requires="v">
-                <p:oleObj spid="_x0000_s1059" name="Equation" r:id="rId14" imgW="152400" imgH="177800" progId="Equation.3">
-                  <p:embed/>
-                </p:oleObj>
-              </mc:Choice>
-              <mc:Fallback>
-                <p:oleObj name="Equation" r:id="rId14" imgW="152400" imgH="177800" progId="Equation.3">
-                  <p:embed/>
-                  <p:pic>
-                    <p:nvPicPr>
-                      <p:cNvPr id="0" name=""/>
-                      <p:cNvPicPr/>
-                      <p:nvPr/>
-                    </p:nvPicPr>
-                    <p:blipFill>
-                      <a:blip r:embed="rId13"/>
-                      <a:stretch>
-                        <a:fillRect/>
-                      </a:stretch>
-                    </p:blipFill>
-                    <p:spPr>
-                      <a:xfrm>
-                        <a:off x="4490808" y="3346450"/>
-                        <a:ext cx="515878" cy="601858"/>
-                      </a:xfrm>
-                      <a:prstGeom prst="rect">
-                        <a:avLst/>
-                      </a:prstGeom>
-                    </p:spPr>
-                  </p:pic>
-                </p:oleObj>
-              </mc:Fallback>
-            </mc:AlternateContent>
+          <a:graphicData uri="http://schemas.openxmlformats.org/drawingml/2006/table">
+            <a:tbl>
+              <a:tblPr firstRow="1" bandRow="1">
+                <a:tableStyleId>{5940675A-B579-460E-94D1-54222C63F5DA}</a:tableStyleId>
+              </a:tblPr>
+              <a:tblGrid>
+                <a:gridCol w="1931772"/>
+                <a:gridCol w="2090057"/>
+                <a:gridCol w="2930080"/>
+              </a:tblGrid>
+              <a:tr h="471959">
+                <a:tc>
+                  <a:txBody>
+                    <a:bodyPr/>
+                    <a:lstStyle/>
+                    <a:p>
+                      <a:pPr algn="ctr"/>
+                      <a:r>
+                        <a:rPr lang="en-US" sz="2800" dirty="0" smtClean="0">
+                          <a:latin typeface="Comic Sans MS"/>
+                          <a:cs typeface="Comic Sans MS"/>
+                        </a:rPr>
+                        <a:t>f(n)</a:t>
+                      </a:r>
+                      <a:endParaRPr lang="en-US" sz="2800" dirty="0">
+                        <a:latin typeface="Comic Sans MS"/>
+                        <a:cs typeface="Comic Sans MS"/>
+                      </a:endParaRPr>
+                    </a:p>
+                  </a:txBody>
+                  <a:tcPr anchor="ctr"/>
+                </a:tc>
+                <a:tc>
+                  <a:txBody>
+                    <a:bodyPr/>
+                    <a:lstStyle/>
+                    <a:p>
+                      <a:pPr algn="ctr"/>
+                      <a:r>
+                        <a:rPr lang="en-US" sz="2800" dirty="0" smtClean="0">
+                          <a:latin typeface="Comic Sans MS"/>
+                          <a:cs typeface="Comic Sans MS"/>
+                        </a:rPr>
+                        <a:t>g(n)</a:t>
+                      </a:r>
+                      <a:endParaRPr lang="en-US" sz="2800" dirty="0">
+                        <a:latin typeface="Comic Sans MS"/>
+                        <a:cs typeface="Comic Sans MS"/>
+                      </a:endParaRPr>
+                    </a:p>
+                  </a:txBody>
+                  <a:tcPr anchor="ctr"/>
+                </a:tc>
+                <a:tc>
+                  <a:txBody>
+                    <a:bodyPr/>
+                    <a:lstStyle/>
+                    <a:p>
+                      <a:pPr algn="ctr"/>
+                      <a:r>
+                        <a:rPr lang="en-US" sz="2800" dirty="0" smtClean="0">
+                          <a:latin typeface="Comic Sans MS"/>
+                          <a:cs typeface="Comic Sans MS"/>
+                        </a:rPr>
+                        <a:t>~, o,</a:t>
+                      </a:r>
+                      <a:r>
+                        <a:rPr lang="en-US" sz="2800" baseline="0" dirty="0" smtClean="0">
+                          <a:latin typeface="Comic Sans MS"/>
+                          <a:cs typeface="Comic Sans MS"/>
+                        </a:rPr>
+                        <a:t> O, Theta</a:t>
+                      </a:r>
+                      <a:endParaRPr lang="en-US" sz="2800" dirty="0">
+                        <a:latin typeface="Comic Sans MS"/>
+                        <a:cs typeface="Comic Sans MS"/>
+                      </a:endParaRPr>
+                    </a:p>
+                  </a:txBody>
+                  <a:tcPr anchor="ctr"/>
+                </a:tc>
+              </a:tr>
+              <a:tr h="628920">
+                <a:tc>
+                  <a:txBody>
+                    <a:bodyPr/>
+                    <a:lstStyle/>
+                    <a:p>
+                      <a:pPr algn="ctr"/>
+                      <a:r>
+                        <a:rPr lang="en-US" sz="2800" dirty="0" smtClean="0">
+                          <a:latin typeface="Comic Sans MS"/>
+                          <a:cs typeface="Comic Sans MS"/>
+                        </a:rPr>
+                        <a:t>n</a:t>
+                      </a:r>
+                      <a:r>
+                        <a:rPr lang="en-US" sz="2800" baseline="30000" dirty="0" smtClean="0">
+                          <a:latin typeface="Comic Sans MS"/>
+                          <a:cs typeface="Comic Sans MS"/>
+                        </a:rPr>
+                        <a:t>2</a:t>
+                      </a:r>
+                      <a:r>
+                        <a:rPr lang="en-US" sz="2800" dirty="0" smtClean="0">
+                          <a:latin typeface="Comic Sans MS"/>
+                          <a:cs typeface="Comic Sans MS"/>
+                        </a:rPr>
+                        <a:t>+2n</a:t>
+                      </a:r>
+                      <a:endParaRPr lang="en-US" sz="2800" dirty="0">
+                        <a:latin typeface="Comic Sans MS"/>
+                        <a:cs typeface="Comic Sans MS"/>
+                      </a:endParaRPr>
+                    </a:p>
+                  </a:txBody>
+                  <a:tcPr anchor="ctr"/>
+                </a:tc>
+                <a:tc>
+                  <a:txBody>
+                    <a:bodyPr/>
+                    <a:lstStyle/>
+                    <a:p>
+                      <a:pPr marL="0" marR="0" lvl="0" indent="0" algn="ctr" defTabSz="914400" rtl="0" eaLnBrk="1" fontAlgn="auto" latinLnBrk="0" hangingPunct="1">
+                        <a:lnSpc>
+                          <a:spcPct val="100000"/>
+                        </a:lnSpc>
+                        <a:spcBef>
+                          <a:spcPts val="0"/>
+                        </a:spcBef>
+                        <a:spcAft>
+                          <a:spcPts val="0"/>
+                        </a:spcAft>
+                        <a:buClrTx/>
+                        <a:buSzTx/>
+                        <a:buFontTx/>
+                        <a:buNone/>
+                        <a:tabLst/>
+                        <a:defRPr/>
+                      </a:pPr>
+                      <a:r>
+                        <a:rPr kumimoji="0" lang="en-US" sz="2800" u="none" strike="noStrike" kern="1200" cap="none" spc="0" normalizeH="0" baseline="0" noProof="0" dirty="0" smtClean="0">
+                          <a:ln>
+                            <a:noFill/>
+                          </a:ln>
+                          <a:effectLst/>
+                          <a:uLnTx/>
+                          <a:uFillTx/>
+                          <a:latin typeface="Comic Sans MS"/>
+                          <a:cs typeface="Comic Sans MS"/>
+                        </a:rPr>
+                        <a:t>(n+1</a:t>
+                      </a:r>
+                      <a:r>
+                        <a:rPr kumimoji="0" lang="en-US" sz="2800" u="none" strike="noStrike" kern="1200" cap="none" spc="0" normalizeH="0" baseline="0" noProof="0" dirty="0" smtClean="0">
+                          <a:ln>
+                            <a:noFill/>
+                          </a:ln>
+                          <a:effectLst/>
+                          <a:uLnTx/>
+                          <a:uFillTx/>
+                          <a:latin typeface="Comic Sans MS"/>
+                          <a:cs typeface="Comic Sans MS"/>
+                        </a:rPr>
+                        <a:t>)</a:t>
+                      </a:r>
+                      <a:r>
+                        <a:rPr kumimoji="0" lang="en-US" sz="2800" u="none" strike="noStrike" kern="1200" cap="none" spc="0" normalizeH="0" baseline="30000" noProof="0" dirty="0" smtClean="0">
+                          <a:ln>
+                            <a:noFill/>
+                          </a:ln>
+                          <a:effectLst/>
+                          <a:uLnTx/>
+                          <a:uFillTx/>
+                          <a:latin typeface="Comic Sans MS"/>
+                          <a:cs typeface="Comic Sans MS"/>
+                        </a:rPr>
+                        <a:t>3/2</a:t>
+                      </a:r>
+                      <a:endParaRPr kumimoji="0" lang="en-US" sz="2800" b="0" i="0" u="none" strike="noStrike" kern="1200" cap="none" spc="0" normalizeH="0" baseline="0" noProof="0" dirty="0" smtClean="0">
+                        <a:ln>
+                          <a:noFill/>
+                        </a:ln>
+                        <a:solidFill>
+                          <a:srgbClr val="000000"/>
+                        </a:solidFill>
+                        <a:effectLst/>
+                        <a:uLnTx/>
+                        <a:uFillTx/>
+                        <a:latin typeface="Comic Sans MS"/>
+                        <a:ea typeface="+mn-ea"/>
+                        <a:cs typeface="Comic Sans MS"/>
+                      </a:endParaRPr>
+                    </a:p>
+                  </a:txBody>
+                  <a:tcPr anchor="ctr"/>
+                </a:tc>
+                <a:tc>
+                  <a:txBody>
+                    <a:bodyPr/>
+                    <a:lstStyle/>
+                    <a:p>
+                      <a:pPr algn="ctr"/>
+                      <a:endParaRPr lang="en-US" sz="2800" dirty="0">
+                        <a:latin typeface="Comic Sans MS"/>
+                        <a:cs typeface="Comic Sans MS"/>
+                      </a:endParaRPr>
+                    </a:p>
+                  </a:txBody>
+                  <a:tcPr anchor="ctr"/>
+                </a:tc>
+              </a:tr>
+              <a:tr h="628920">
+                <a:tc>
+                  <a:txBody>
+                    <a:bodyPr/>
+                    <a:lstStyle/>
+                    <a:p>
+                      <a:pPr marL="0" marR="0" lvl="0" indent="0" algn="ctr" defTabSz="914400" rtl="0" eaLnBrk="1" fontAlgn="auto" latinLnBrk="0" hangingPunct="1">
+                        <a:lnSpc>
+                          <a:spcPct val="100000"/>
+                        </a:lnSpc>
+                        <a:spcBef>
+                          <a:spcPts val="0"/>
+                        </a:spcBef>
+                        <a:spcAft>
+                          <a:spcPts val="0"/>
+                        </a:spcAft>
+                        <a:buClrTx/>
+                        <a:buSzTx/>
+                        <a:buFontTx/>
+                        <a:buNone/>
+                        <a:tabLst/>
+                        <a:defRPr/>
+                      </a:pPr>
+                      <a:r>
+                        <a:rPr kumimoji="0" lang="en-US" sz="2800" u="none" strike="noStrike" kern="1200" cap="none" spc="0" normalizeH="0" baseline="0" noProof="0" dirty="0" smtClean="0">
+                          <a:ln>
+                            <a:noFill/>
+                          </a:ln>
+                          <a:effectLst/>
+                          <a:uLnTx/>
+                          <a:uFillTx/>
+                          <a:latin typeface="Comic Sans MS"/>
+                          <a:cs typeface="Comic Sans MS"/>
+                        </a:rPr>
+                        <a:t>(</a:t>
+                      </a:r>
+                      <a:r>
+                        <a:rPr kumimoji="0" lang="en-US" sz="2800" u="none" strike="noStrike" kern="1200" cap="none" spc="0" normalizeH="0" baseline="0" noProof="0" dirty="0" smtClean="0">
+                          <a:ln>
+                            <a:noFill/>
+                          </a:ln>
+                          <a:effectLst/>
+                          <a:uLnTx/>
+                          <a:uFillTx/>
+                          <a:latin typeface="Comic Sans MS"/>
+                          <a:cs typeface="Comic Sans MS"/>
+                        </a:rPr>
+                        <a:t>2n)</a:t>
+                      </a:r>
+                      <a:r>
+                        <a:rPr kumimoji="0" lang="en-US" sz="2800" u="none" strike="noStrike" kern="1200" cap="none" spc="0" normalizeH="0" baseline="30000" noProof="0" dirty="0" smtClean="0">
+                          <a:ln>
+                            <a:noFill/>
+                          </a:ln>
+                          <a:effectLst/>
+                          <a:uLnTx/>
+                          <a:uFillTx/>
+                          <a:latin typeface="Comic Sans MS"/>
+                          <a:cs typeface="Comic Sans MS"/>
+                        </a:rPr>
+                        <a:t>3/2</a:t>
+                      </a:r>
+                      <a:endParaRPr kumimoji="0" lang="en-US" sz="2800" b="0" i="0" u="none" strike="noStrike" kern="1200" cap="none" spc="0" normalizeH="0" baseline="0" noProof="0" dirty="0" smtClean="0">
+                        <a:ln>
+                          <a:noFill/>
+                        </a:ln>
+                        <a:solidFill>
+                          <a:srgbClr val="000000"/>
+                        </a:solidFill>
+                        <a:effectLst/>
+                        <a:uLnTx/>
+                        <a:uFillTx/>
+                        <a:latin typeface="Comic Sans MS"/>
+                        <a:ea typeface="+mn-ea"/>
+                        <a:cs typeface="Comic Sans MS"/>
+                      </a:endParaRPr>
+                    </a:p>
+                  </a:txBody>
+                  <a:tcPr anchor="ctr"/>
+                </a:tc>
+                <a:tc>
+                  <a:txBody>
+                    <a:bodyPr/>
+                    <a:lstStyle/>
+                    <a:p>
+                      <a:pPr marL="0" marR="0" lvl="0" indent="0" algn="ctr" defTabSz="914400" rtl="0" eaLnBrk="1" fontAlgn="auto" latinLnBrk="0" hangingPunct="1">
+                        <a:lnSpc>
+                          <a:spcPct val="100000"/>
+                        </a:lnSpc>
+                        <a:spcBef>
+                          <a:spcPts val="0"/>
+                        </a:spcBef>
+                        <a:spcAft>
+                          <a:spcPts val="0"/>
+                        </a:spcAft>
+                        <a:buClrTx/>
+                        <a:buSzTx/>
+                        <a:buFontTx/>
+                        <a:buNone/>
+                        <a:tabLst/>
+                        <a:defRPr/>
+                      </a:pPr>
+                      <a:r>
+                        <a:rPr kumimoji="0" lang="en-US" sz="2800" u="none" strike="noStrike" kern="1200" cap="none" spc="0" normalizeH="0" baseline="0" noProof="0" dirty="0" smtClean="0">
+                          <a:ln>
+                            <a:noFill/>
+                          </a:ln>
+                          <a:effectLst/>
+                          <a:uLnTx/>
+                          <a:uFillTx/>
+                          <a:latin typeface="Comic Sans MS"/>
+                          <a:cs typeface="Comic Sans MS"/>
+                        </a:rPr>
+                        <a:t>n</a:t>
+                      </a:r>
+                      <a:r>
+                        <a:rPr kumimoji="0" lang="en-US" sz="2800" u="none" strike="noStrike" kern="1200" cap="none" spc="0" normalizeH="0" baseline="30000" noProof="0" dirty="0" smtClean="0">
+                          <a:ln>
+                            <a:noFill/>
+                          </a:ln>
+                          <a:effectLst/>
+                          <a:uLnTx/>
+                          <a:uFillTx/>
+                          <a:latin typeface="Comic Sans MS"/>
+                          <a:cs typeface="Comic Sans MS"/>
+                        </a:rPr>
+                        <a:t>3/2</a:t>
+                      </a:r>
+                      <a:endParaRPr kumimoji="0" lang="en-US" sz="2800" b="0" i="0" u="none" strike="noStrike" kern="1200" cap="none" spc="0" normalizeH="0" baseline="30000" noProof="0" dirty="0" smtClean="0">
+                        <a:ln>
+                          <a:noFill/>
+                        </a:ln>
+                        <a:solidFill>
+                          <a:srgbClr val="000000"/>
+                        </a:solidFill>
+                        <a:effectLst/>
+                        <a:uLnTx/>
+                        <a:uFillTx/>
+                        <a:latin typeface="Comic Sans MS"/>
+                        <a:ea typeface="+mn-ea"/>
+                        <a:cs typeface="Comic Sans MS"/>
+                      </a:endParaRPr>
+                    </a:p>
+                  </a:txBody>
+                  <a:tcPr anchor="ctr"/>
+                </a:tc>
+                <a:tc>
+                  <a:txBody>
+                    <a:bodyPr/>
+                    <a:lstStyle/>
+                    <a:p>
+                      <a:pPr algn="ctr"/>
+                      <a:endParaRPr lang="en-US" sz="2800" dirty="0">
+                        <a:latin typeface="Comic Sans MS"/>
+                        <a:cs typeface="Comic Sans MS"/>
+                      </a:endParaRPr>
+                    </a:p>
+                  </a:txBody>
+                  <a:tcPr anchor="ctr"/>
+                </a:tc>
+              </a:tr>
+              <a:tr h="628920">
+                <a:tc>
+                  <a:txBody>
+                    <a:bodyPr/>
+                    <a:lstStyle/>
+                    <a:p>
+                      <a:pPr algn="ctr"/>
+                      <a:r>
+                        <a:rPr lang="en-US" sz="2800" baseline="0" dirty="0" smtClean="0">
+                          <a:latin typeface="Comic Sans MS"/>
+                          <a:cs typeface="Comic Sans MS"/>
+                        </a:rPr>
+                        <a:t>2</a:t>
+                      </a:r>
+                      <a:r>
+                        <a:rPr lang="en-US" sz="2800" baseline="30000" smtClean="0">
+                          <a:latin typeface="Comic Sans MS"/>
+                          <a:cs typeface="Comic Sans MS"/>
+                        </a:rPr>
+                        <a:t>n</a:t>
+                      </a:r>
+                      <a:r>
+                        <a:rPr lang="en-US" sz="2800" baseline="30000" dirty="0" smtClean="0">
+                          <a:latin typeface="Comic Sans MS"/>
+                          <a:cs typeface="Comic Sans MS"/>
+                        </a:rPr>
+                        <a:t>+1</a:t>
+                      </a:r>
+                      <a:endParaRPr lang="en-US" sz="2800" dirty="0">
+                        <a:latin typeface="Comic Sans MS"/>
+                        <a:cs typeface="Comic Sans MS"/>
+                      </a:endParaRPr>
+                    </a:p>
+                  </a:txBody>
+                  <a:tcPr anchor="ctr"/>
+                </a:tc>
+                <a:tc>
+                  <a:txBody>
+                    <a:bodyPr/>
+                    <a:lstStyle/>
+                    <a:p>
+                      <a:pPr algn="ctr"/>
+                      <a:r>
+                        <a:rPr lang="en-US" sz="2800" baseline="0" dirty="0" smtClean="0">
+                          <a:latin typeface="Comic Sans MS"/>
+                          <a:cs typeface="Comic Sans MS"/>
+                        </a:rPr>
+                        <a:t>3</a:t>
+                      </a:r>
+                      <a:r>
+                        <a:rPr lang="en-US" sz="2800" baseline="30000" dirty="0" smtClean="0">
+                          <a:latin typeface="Comic Sans MS"/>
+                          <a:cs typeface="Comic Sans MS"/>
+                        </a:rPr>
+                        <a:t>n</a:t>
+                      </a:r>
+                      <a:endParaRPr lang="en-US" sz="2800" baseline="30000" dirty="0">
+                        <a:latin typeface="Comic Sans MS"/>
+                        <a:cs typeface="Comic Sans MS"/>
+                      </a:endParaRPr>
+                    </a:p>
+                  </a:txBody>
+                  <a:tcPr anchor="ctr"/>
+                </a:tc>
+                <a:tc>
+                  <a:txBody>
+                    <a:bodyPr/>
+                    <a:lstStyle/>
+                    <a:p>
+                      <a:pPr algn="ctr"/>
+                      <a:endParaRPr lang="en-US" sz="2800" dirty="0">
+                        <a:latin typeface="Comic Sans MS"/>
+                        <a:cs typeface="Comic Sans MS"/>
+                      </a:endParaRPr>
+                    </a:p>
+                  </a:txBody>
+                  <a:tcPr anchor="ctr"/>
+                </a:tc>
+              </a:tr>
+              <a:tr h="628920">
+                <a:tc>
+                  <a:txBody>
+                    <a:bodyPr/>
+                    <a:lstStyle/>
+                    <a:p>
+                      <a:pPr marL="0" marR="0" indent="0" algn="ctr" defTabSz="914400" rtl="0" eaLnBrk="1" fontAlgn="auto" latinLnBrk="0" hangingPunct="1">
+                        <a:lnSpc>
+                          <a:spcPct val="100000"/>
+                        </a:lnSpc>
+                        <a:spcBef>
+                          <a:spcPts val="0"/>
+                        </a:spcBef>
+                        <a:spcAft>
+                          <a:spcPts val="0"/>
+                        </a:spcAft>
+                        <a:buClrTx/>
+                        <a:buSzTx/>
+                        <a:buFontTx/>
+                        <a:buNone/>
+                        <a:tabLst/>
+                        <a:defRPr/>
+                      </a:pPr>
+                      <a:r>
+                        <a:rPr lang="en-US" sz="2800" baseline="0" dirty="0" smtClean="0">
+                          <a:latin typeface="Comic Sans MS"/>
+                          <a:cs typeface="Comic Sans MS"/>
+                        </a:rPr>
+                        <a:t>3</a:t>
+                      </a:r>
+                      <a:r>
+                        <a:rPr lang="en-US" sz="2800" baseline="30000" dirty="0" smtClean="0">
+                          <a:latin typeface="Comic Sans MS"/>
+                          <a:cs typeface="Comic Sans MS"/>
+                        </a:rPr>
+                        <a:t>n</a:t>
+                      </a:r>
+                      <a:endParaRPr lang="en-US" sz="2800" dirty="0" smtClean="0">
+                        <a:latin typeface="Comic Sans MS"/>
+                        <a:cs typeface="Comic Sans MS"/>
+                      </a:endParaRPr>
+                    </a:p>
+                  </a:txBody>
+                  <a:tcPr anchor="ctr"/>
+                </a:tc>
+                <a:tc>
+                  <a:txBody>
+                    <a:bodyPr/>
+                    <a:lstStyle/>
+                    <a:p>
+                      <a:pPr marL="0" marR="0" indent="0" algn="ctr" defTabSz="914400" rtl="0" eaLnBrk="1" fontAlgn="auto" latinLnBrk="0" hangingPunct="1">
+                        <a:lnSpc>
+                          <a:spcPct val="100000"/>
+                        </a:lnSpc>
+                        <a:spcBef>
+                          <a:spcPts val="0"/>
+                        </a:spcBef>
+                        <a:spcAft>
+                          <a:spcPts val="0"/>
+                        </a:spcAft>
+                        <a:buClrTx/>
+                        <a:buSzTx/>
+                        <a:buFontTx/>
+                        <a:buNone/>
+                        <a:tabLst/>
+                        <a:defRPr/>
+                      </a:pPr>
+                      <a:r>
+                        <a:rPr lang="en-US" sz="2800" baseline="0" dirty="0" smtClean="0">
+                          <a:latin typeface="Comic Sans MS"/>
+                          <a:cs typeface="Comic Sans MS"/>
+                        </a:rPr>
+                        <a:t>3</a:t>
+                      </a:r>
+                      <a:r>
+                        <a:rPr lang="en-US" sz="2800" baseline="30000" dirty="0" smtClean="0">
+                          <a:latin typeface="Comic Sans MS"/>
+                          <a:cs typeface="Comic Sans MS"/>
+                        </a:rPr>
+                        <a:t>2n</a:t>
+                      </a:r>
+                      <a:endParaRPr lang="en-US" sz="2800" dirty="0" smtClean="0">
+                        <a:latin typeface="Comic Sans MS"/>
+                        <a:cs typeface="Comic Sans MS"/>
+                      </a:endParaRPr>
+                    </a:p>
+                  </a:txBody>
+                  <a:tcPr anchor="ctr"/>
+                </a:tc>
+                <a:tc>
+                  <a:txBody>
+                    <a:bodyPr/>
+                    <a:lstStyle/>
+                    <a:p>
+                      <a:pPr algn="ctr"/>
+                      <a:endParaRPr lang="en-US" sz="2800" dirty="0">
+                        <a:latin typeface="Comic Sans MS"/>
+                        <a:cs typeface="Comic Sans MS"/>
+                      </a:endParaRPr>
+                    </a:p>
+                  </a:txBody>
+                  <a:tcPr anchor="ctr"/>
+                </a:tc>
+              </a:tr>
+            </a:tbl>
           </a:graphicData>
         </a:graphic>
       </p:graphicFrame>

--- a/spring13/slides13/microquiz9f.pptx
+++ b/spring13/slides13/microquiz9f.pptx
@@ -1182,21 +1182,7 @@
                 <a:latin typeface="Comic Sans MS"/>
                 <a:cs typeface="Comic Sans MS"/>
               </a:rPr>
-              <a:t>6.042 Microquiz</a:t>
-            </a:r>
-            <a:r>
-              <a:rPr lang="en-US" sz="3200" dirty="0" smtClean="0">
-                <a:latin typeface="Comic Sans MS"/>
-                <a:cs typeface="Comic Sans MS"/>
-              </a:rPr>
-              <a:t>9f</a:t>
-            </a:r>
-            <a:r>
-              <a:rPr lang="en-US" sz="3200" dirty="0" smtClean="0">
-                <a:latin typeface="Comic Sans MS"/>
-                <a:cs typeface="Comic Sans MS"/>
-              </a:rPr>
-              <a:t>, 2013</a:t>
+              <a:t>6.042 Microquiz9f, 2013</a:t>
             </a:r>
             <a:endParaRPr lang="en-US" sz="3200" dirty="0">
               <a:latin typeface="Comic Sans MS"/>
@@ -1227,7 +1213,7 @@
           <a:graphicData uri="http://schemas.openxmlformats.org/presentationml/2006/ole">
             <mc:AlternateContent xmlns:mc="http://schemas.openxmlformats.org/markup-compatibility/2006">
               <mc:Choice xmlns:v="urn:schemas-microsoft-com:vml" Requires="v">
-                <p:oleObj spid="_x0000_s1065" name="Equation" r:id="rId3" imgW="114300" imgH="165100" progId="Equation.3">
+                <p:oleObj spid="_x0000_s1067" name="Equation" r:id="rId3" imgW="114300" imgH="165100" progId="Equation.3">
                   <p:embed/>
                 </p:oleObj>
               </mc:Choice>
@@ -1471,20 +1457,7 @@
                           <a:latin typeface="Comic Sans MS"/>
                           <a:cs typeface="Comic Sans MS"/>
                         </a:rPr>
-                        <a:t>(n+1</a:t>
-                      </a:r>
-                      <a:r>
-                        <a:rPr kumimoji="0" lang="en-US" sz="2800" u="none" strike="noStrike" kern="1200" cap="none" spc="0" normalizeH="0" baseline="0" noProof="0" dirty="0" smtClean="0">
-                          <a:ln>
-                            <a:noFill/>
-                          </a:ln>
-                          <a:effectLst/>
-                          <a:uLnTx/>
-                          <a:uFillTx/>
-                          <a:latin typeface="Comic Sans MS"/>
-                          <a:cs typeface="Comic Sans MS"/>
-                        </a:rPr>
-                        <a:t>)</a:t>
+                        <a:t>(n+1)</a:t>
                       </a:r>
                       <a:r>
                         <a:rPr kumimoji="0" lang="en-US" sz="2800" u="none" strike="noStrike" kern="1200" cap="none" spc="0" normalizeH="0" baseline="30000" noProof="0" dirty="0" smtClean="0">
@@ -1566,20 +1539,7 @@
                           <a:latin typeface="Comic Sans MS"/>
                           <a:cs typeface="Comic Sans MS"/>
                         </a:rPr>
-                        <a:t>(</a:t>
-                      </a:r>
-                      <a:r>
-                        <a:rPr kumimoji="0" lang="en-US" sz="2800" u="none" strike="noStrike" kern="1200" cap="none" spc="0" normalizeH="0" baseline="0" noProof="0" dirty="0" smtClean="0">
-                          <a:ln>
-                            <a:noFill/>
-                          </a:ln>
-                          <a:effectLst/>
-                          <a:uLnTx/>
-                          <a:uFillTx/>
-                          <a:latin typeface="Comic Sans MS"/>
-                          <a:cs typeface="Comic Sans MS"/>
-                        </a:rPr>
-                        <a:t>2n)</a:t>
+                        <a:t>(2n)</a:t>
                       </a:r>
                       <a:r>
                         <a:rPr kumimoji="0" lang="en-US" sz="2800" u="none" strike="noStrike" kern="1200" cap="none" spc="0" normalizeH="0" baseline="30000" noProof="0" dirty="0" smtClean="0">

--- a/spring13/slides13/microquiz9f.pptx
+++ b/spring13/slides13/microquiz9f.pptx
@@ -632,7 +632,7 @@
         <p:spPr bwMode="auto">
           <a:xfrm>
             <a:off x="4125913" y="6611938"/>
-            <a:ext cx="991941" cy="261610"/>
+            <a:ext cx="1049674" cy="261610"/>
           </a:xfrm>
           <a:prstGeom prst="rect">
             <a:avLst/>
@@ -665,7 +665,13 @@
               <a:rPr lang="en-US" sz="1000" baseline="0" dirty="0" smtClean="0">
                 <a:latin typeface="Comic Sans MS" pitchFamily="66" charset="0"/>
               </a:rPr>
-              <a:t> 8</a:t>
+              <a:t> </a:t>
+            </a:r>
+            <a:r>
+              <a:rPr lang="en-US" sz="1000" baseline="0" dirty="0" smtClean="0">
+                <a:latin typeface="Comic Sans MS" pitchFamily="66" charset="0"/>
+              </a:rPr>
+              <a:t>12</a:t>
             </a:r>
             <a:r>
               <a:rPr lang="en-US" sz="1000" dirty="0" smtClean="0">
@@ -1213,7 +1219,7 @@
           <a:graphicData uri="http://schemas.openxmlformats.org/presentationml/2006/ole">
             <mc:AlternateContent xmlns:mc="http://schemas.openxmlformats.org/markup-compatibility/2006">
               <mc:Choice xmlns:v="urn:schemas-microsoft-com:vml" Requires="v">
-                <p:oleObj spid="_x0000_s1067" name="Equation" r:id="rId3" imgW="114300" imgH="165100" progId="Equation.3">
+                <p:oleObj spid="_x0000_s1069" name="Equation" r:id="rId3" imgW="114300" imgH="165100" progId="Equation.3">
                   <p:embed/>
                 </p:oleObj>
               </mc:Choice>
